--- a/Slides/Class01.pptx
+++ b/Slides/Class01.pptx
@@ -241,7 +241,7 @@
           <a:p>
             <a:fld id="{C24322AF-E05B-7249-906C-FBAC6154C037}" type="datetimeFigureOut">
               <a:rPr lang="en-US" smtClean="0"/>
-              <a:t>12/11/18</a:t>
+              <a:t>6/18/25</a:t>
             </a:fld>
             <a:endParaRPr lang="en-US"/>
           </a:p>
@@ -407,7 +407,7 @@
             <a:fld id="{06A43BE5-3BD4-F642-8751-88A31D8D6D13}" type="datetimeFigureOut">
               <a:rPr lang="en-US" smtClean="0"/>
               <a:pPr/>
-              <a:t>12/11/18</a:t>
+              <a:t>6/18/25</a:t>
             </a:fld>
             <a:endParaRPr lang="en-US"/>
           </a:p>
@@ -1508,7 +1508,7 @@
             <a:fld id="{A4FA2B0E-4818-9849-9CF1-1031FD4E1DAB}" type="datetimeFigureOut">
               <a:rPr lang="en-US" smtClean="0"/>
               <a:pPr/>
-              <a:t>12/11/18</a:t>
+              <a:t>6/18/25</a:t>
             </a:fld>
             <a:endParaRPr lang="en-US"/>
           </a:p>
@@ -1673,7 +1673,7 @@
             <a:fld id="{A4FA2B0E-4818-9849-9CF1-1031FD4E1DAB}" type="datetimeFigureOut">
               <a:rPr lang="en-US" smtClean="0"/>
               <a:pPr/>
-              <a:t>12/11/18</a:t>
+              <a:t>6/18/25</a:t>
             </a:fld>
             <a:endParaRPr lang="en-US"/>
           </a:p>
@@ -1848,7 +1848,7 @@
             <a:fld id="{A4FA2B0E-4818-9849-9CF1-1031FD4E1DAB}" type="datetimeFigureOut">
               <a:rPr lang="en-US" smtClean="0"/>
               <a:pPr/>
-              <a:t>12/11/18</a:t>
+              <a:t>6/18/25</a:t>
             </a:fld>
             <a:endParaRPr lang="en-US"/>
           </a:p>
@@ -2091,7 +2091,7 @@
                 </a:solidFill>
               </a:rPr>
               <a:pPr/>
-              <a:t>12/11/18</a:t>
+              <a:t>6/18/25</a:t>
             </a:fld>
             <a:endParaRPr lang="en-US">
               <a:solidFill>
@@ -2280,7 +2280,7 @@
             <a:fld id="{A4FA2B0E-4818-9849-9CF1-1031FD4E1DAB}" type="datetimeFigureOut">
               <a:rPr lang="en-US" smtClean="0"/>
               <a:pPr/>
-              <a:t>12/11/18</a:t>
+              <a:t>6/18/25</a:t>
             </a:fld>
             <a:endParaRPr lang="en-US"/>
           </a:p>
@@ -2522,7 +2522,7 @@
             <a:fld id="{A4FA2B0E-4818-9849-9CF1-1031FD4E1DAB}" type="datetimeFigureOut">
               <a:rPr lang="en-US" smtClean="0"/>
               <a:pPr/>
-              <a:t>12/11/18</a:t>
+              <a:t>6/18/25</a:t>
             </a:fld>
             <a:endParaRPr lang="en-US"/>
           </a:p>
@@ -2804,7 +2804,7 @@
             <a:fld id="{A4FA2B0E-4818-9849-9CF1-1031FD4E1DAB}" type="datetimeFigureOut">
               <a:rPr lang="en-US" smtClean="0"/>
               <a:pPr/>
-              <a:t>12/11/18</a:t>
+              <a:t>6/18/25</a:t>
             </a:fld>
             <a:endParaRPr lang="en-US"/>
           </a:p>
@@ -3220,7 +3220,7 @@
             <a:fld id="{A4FA2B0E-4818-9849-9CF1-1031FD4E1DAB}" type="datetimeFigureOut">
               <a:rPr lang="en-US" smtClean="0"/>
               <a:pPr/>
-              <a:t>12/11/18</a:t>
+              <a:t>6/18/25</a:t>
             </a:fld>
             <a:endParaRPr lang="en-US"/>
           </a:p>
@@ -3334,7 +3334,7 @@
             <a:fld id="{A4FA2B0E-4818-9849-9CF1-1031FD4E1DAB}" type="datetimeFigureOut">
               <a:rPr lang="en-US" smtClean="0"/>
               <a:pPr/>
-              <a:t>12/11/18</a:t>
+              <a:t>6/18/25</a:t>
             </a:fld>
             <a:endParaRPr lang="en-US"/>
           </a:p>
@@ -3426,7 +3426,7 @@
             <a:fld id="{A4FA2B0E-4818-9849-9CF1-1031FD4E1DAB}" type="datetimeFigureOut">
               <a:rPr lang="en-US" smtClean="0"/>
               <a:pPr/>
-              <a:t>12/11/18</a:t>
+              <a:t>6/18/25</a:t>
             </a:fld>
             <a:endParaRPr lang="en-US"/>
           </a:p>
@@ -3698,7 +3698,7 @@
             <a:fld id="{A4FA2B0E-4818-9849-9CF1-1031FD4E1DAB}" type="datetimeFigureOut">
               <a:rPr lang="en-US" smtClean="0"/>
               <a:pPr/>
-              <a:t>12/11/18</a:t>
+              <a:t>6/18/25</a:t>
             </a:fld>
             <a:endParaRPr lang="en-US"/>
           </a:p>
@@ -3947,7 +3947,7 @@
             <a:fld id="{A4FA2B0E-4818-9849-9CF1-1031FD4E1DAB}" type="datetimeFigureOut">
               <a:rPr lang="en-US" smtClean="0"/>
               <a:pPr/>
-              <a:t>12/11/18</a:t>
+              <a:t>6/18/25</a:t>
             </a:fld>
             <a:endParaRPr lang="en-US"/>
           </a:p>
@@ -4155,7 +4155,7 @@
             <a:fld id="{A4FA2B0E-4818-9849-9CF1-1031FD4E1DAB}" type="datetimeFigureOut">
               <a:rPr lang="en-US" smtClean="0"/>
               <a:pPr/>
-              <a:t>12/11/18</a:t>
+              <a:t>6/18/25</a:t>
             </a:fld>
             <a:endParaRPr lang="en-US"/>
           </a:p>
@@ -4666,7 +4666,7 @@
                 </a:solidFill>
               </a:rPr>
               <a:pPr/>
-              <a:t>12/11/18</a:t>
+              <a:t>6/18/25</a:t>
             </a:fld>
             <a:endParaRPr lang="en-US">
               <a:solidFill>
@@ -9049,7 +9049,7 @@
         <p:spPr>
           <a:xfrm>
             <a:off x="539604" y="945630"/>
-            <a:ext cx="7328752" cy="4493538"/>
+            <a:ext cx="7328752" cy="5847755"/>
           </a:xfrm>
           <a:prstGeom prst="rect">
             <a:avLst/>
@@ -9120,7 +9120,35 @@
                 <a:ea typeface="MS Mincho" panose="02020609040205080304" pitchFamily="49" charset="-128"/>
                 <a:cs typeface="Times New Roman" panose="02020603050405020304" pitchFamily="18" charset="0"/>
               </a:rPr>
-              <a:t>Abstract for proposal</a:t>
+              <a:t>Abstract for research proposal</a:t>
+            </a:r>
+          </a:p>
+          <a:p>
+            <a:pPr marL="800100" lvl="1" indent="-342900">
+              <a:buFont typeface="Arial" panose="020B0604020202020204" pitchFamily="34" charset="0"/>
+              <a:buChar char="•"/>
+            </a:pPr>
+            <a:r>
+              <a:rPr lang="en-US" sz="2200" dirty="0">
+                <a:latin typeface="Times New Roman" panose="02020603050405020304" pitchFamily="18" charset="0"/>
+                <a:ea typeface="MS Mincho" panose="02020609040205080304" pitchFamily="49" charset="-128"/>
+                <a:cs typeface="Times New Roman" panose="02020603050405020304" pitchFamily="18" charset="0"/>
+              </a:rPr>
+              <a:t>Outreach proposal</a:t>
+            </a:r>
+          </a:p>
+          <a:p>
+            <a:pPr marL="800100" lvl="1" indent="-342900">
+              <a:buFont typeface="Arial" panose="020B0604020202020204" pitchFamily="34" charset="0"/>
+              <a:buChar char="•"/>
+            </a:pPr>
+            <a:r>
+              <a:rPr lang="en-US" sz="2200" dirty="0">
+                <a:latin typeface="Times New Roman" panose="02020603050405020304" pitchFamily="18" charset="0"/>
+                <a:ea typeface="MS Mincho" panose="02020609040205080304" pitchFamily="49" charset="-128"/>
+                <a:cs typeface="Times New Roman" panose="02020603050405020304" pitchFamily="18" charset="0"/>
+              </a:rPr>
+              <a:t>Press release</a:t>
             </a:r>
           </a:p>
           <a:p>
@@ -9200,6 +9228,34 @@
                 <a:cs typeface="Times New Roman" panose="02020603050405020304" pitchFamily="18" charset="0"/>
               </a:rPr>
               <a:t>Proposed research topic</a:t>
+            </a:r>
+          </a:p>
+          <a:p>
+            <a:pPr marL="800100" lvl="1" indent="-342900">
+              <a:buFont typeface="Arial" panose="020B0604020202020204" pitchFamily="34" charset="0"/>
+              <a:buChar char="•"/>
+            </a:pPr>
+            <a:r>
+              <a:rPr lang="en-US" sz="2200" dirty="0">
+                <a:latin typeface="Times New Roman" panose="02020603050405020304" pitchFamily="18" charset="0"/>
+                <a:ea typeface="MS Mincho" panose="02020609040205080304" pitchFamily="49" charset="-128"/>
+                <a:cs typeface="Times New Roman" panose="02020603050405020304" pitchFamily="18" charset="0"/>
+              </a:rPr>
+              <a:t>Outreach presentation</a:t>
+            </a:r>
+          </a:p>
+          <a:p>
+            <a:pPr marL="800100" lvl="1" indent="-342900">
+              <a:buFont typeface="Arial" panose="020B0604020202020204" pitchFamily="34" charset="0"/>
+              <a:buChar char="•"/>
+            </a:pPr>
+            <a:r>
+              <a:rPr lang="en-US" sz="2200" dirty="0">
+                <a:latin typeface="Times New Roman" panose="02020603050405020304" pitchFamily="18" charset="0"/>
+                <a:ea typeface="MS Mincho" panose="02020609040205080304" pitchFamily="49" charset="-128"/>
+                <a:cs typeface="Times New Roman" panose="02020603050405020304" pitchFamily="18" charset="0"/>
+              </a:rPr>
+              <a:t>JEDI discussion</a:t>
             </a:r>
           </a:p>
           <a:p>
@@ -9353,15 +9409,33 @@
                                   </p:childTnLst>
                                 </p:cTn>
                               </p:par>
+                            </p:childTnLst>
+                          </p:cTn>
+                        </p:par>
+                      </p:childTnLst>
+                    </p:cTn>
+                  </p:par>
+                  <p:par>
+                    <p:cTn id="7" fill="hold">
+                      <p:stCondLst>
+                        <p:cond delay="indefinite"/>
+                      </p:stCondLst>
+                      <p:childTnLst>
+                        <p:par>
+                          <p:cTn id="8" fill="hold">
+                            <p:stCondLst>
+                              <p:cond delay="0"/>
+                            </p:stCondLst>
+                            <p:childTnLst>
                               <p:par>
-                                <p:cTn id="7" presetID="1" presetClass="entr" presetSubtype="0" fill="hold" nodeType="withEffect">
+                                <p:cTn id="9" presetID="1" presetClass="entr" presetSubtype="0" fill="hold" nodeType="clickEffect">
                                   <p:stCondLst>
                                     <p:cond delay="0"/>
                                   </p:stCondLst>
                                   <p:childTnLst>
                                     <p:set>
                                       <p:cBhvr>
-                                        <p:cTn id="8" dur="1" fill="hold">
+                                        <p:cTn id="10" dur="1" fill="hold">
                                           <p:stCondLst>
                                             <p:cond delay="0"/>
                                           </p:stCondLst>
@@ -9384,70 +9458,26 @@
                                   </p:childTnLst>
                                 </p:cTn>
                               </p:par>
+                            </p:childTnLst>
+                          </p:cTn>
+                        </p:par>
+                      </p:childTnLst>
+                    </p:cTn>
+                  </p:par>
+                  <p:par>
+                    <p:cTn id="11" fill="hold">
+                      <p:stCondLst>
+                        <p:cond delay="indefinite"/>
+                      </p:stCondLst>
+                      <p:childTnLst>
+                        <p:par>
+                          <p:cTn id="12" fill="hold">
+                            <p:stCondLst>
+                              <p:cond delay="0"/>
+                            </p:stCondLst>
+                            <p:childTnLst>
                               <p:par>
-                                <p:cTn id="9" presetID="1" presetClass="entr" presetSubtype="0" fill="hold" nodeType="withEffect">
-                                  <p:stCondLst>
-                                    <p:cond delay="0"/>
-                                  </p:stCondLst>
-                                  <p:childTnLst>
-                                    <p:set>
-                                      <p:cBhvr>
-                                        <p:cTn id="10" dur="1" fill="hold">
-                                          <p:stCondLst>
-                                            <p:cond delay="0"/>
-                                          </p:stCondLst>
-                                        </p:cTn>
-                                        <p:tgtEl>
-                                          <p:spTgt spid="6">
-                                            <p:txEl>
-                                              <p:pRg st="2" end="2"/>
-                                            </p:txEl>
-                                          </p:spTgt>
-                                        </p:tgtEl>
-                                        <p:attrNameLst>
-                                          <p:attrName>style.visibility</p:attrName>
-                                        </p:attrNameLst>
-                                      </p:cBhvr>
-                                      <p:to>
-                                        <p:strVal val="visible"/>
-                                      </p:to>
-                                    </p:set>
-                                  </p:childTnLst>
-                                </p:cTn>
-                              </p:par>
-                              <p:par>
-                                <p:cTn id="11" presetID="1" presetClass="entr" presetSubtype="0" fill="hold" nodeType="withEffect">
-                                  <p:stCondLst>
-                                    <p:cond delay="0"/>
-                                  </p:stCondLst>
-                                  <p:childTnLst>
-                                    <p:set>
-                                      <p:cBhvr>
-                                        <p:cTn id="12" dur="1" fill="hold">
-                                          <p:stCondLst>
-                                            <p:cond delay="0"/>
-                                          </p:stCondLst>
-                                        </p:cTn>
-                                        <p:tgtEl>
-                                          <p:spTgt spid="6">
-                                            <p:txEl>
-                                              <p:pRg st="3" end="3"/>
-                                            </p:txEl>
-                                          </p:spTgt>
-                                        </p:tgtEl>
-                                        <p:attrNameLst>
-                                          <p:attrName>style.visibility</p:attrName>
-                                        </p:attrNameLst>
-                                      </p:cBhvr>
-                                      <p:to>
-                                        <p:strVal val="visible"/>
-                                      </p:to>
-                                    </p:set>
-                                  </p:childTnLst>
-                                </p:cTn>
-                              </p:par>
-                              <p:par>
-                                <p:cTn id="13" presetID="1" presetClass="entr" presetSubtype="0" fill="hold" nodeType="withEffect">
+                                <p:cTn id="13" presetID="1" presetClass="entr" presetSubtype="0" fill="hold" nodeType="clickEffect">
                                   <p:stCondLst>
                                     <p:cond delay="0"/>
                                   </p:stCondLst>
@@ -9462,7 +9492,7 @@
                                         <p:tgtEl>
                                           <p:spTgt spid="6">
                                             <p:txEl>
-                                              <p:pRg st="4" end="4"/>
+                                              <p:pRg st="2" end="2"/>
                                             </p:txEl>
                                           </p:spTgt>
                                         </p:tgtEl>
@@ -9511,6 +9541,153 @@
                                         <p:tgtEl>
                                           <p:spTgt spid="6">
                                             <p:txEl>
+                                              <p:pRg st="3" end="3"/>
+                                            </p:txEl>
+                                          </p:spTgt>
+                                        </p:tgtEl>
+                                        <p:attrNameLst>
+                                          <p:attrName>style.visibility</p:attrName>
+                                        </p:attrNameLst>
+                                      </p:cBhvr>
+                                      <p:to>
+                                        <p:strVal val="visible"/>
+                                      </p:to>
+                                    </p:set>
+                                  </p:childTnLst>
+                                </p:cTn>
+                              </p:par>
+                            </p:childTnLst>
+                          </p:cTn>
+                        </p:par>
+                      </p:childTnLst>
+                    </p:cTn>
+                  </p:par>
+                  <p:par>
+                    <p:cTn id="19" fill="hold">
+                      <p:stCondLst>
+                        <p:cond delay="indefinite"/>
+                      </p:stCondLst>
+                      <p:childTnLst>
+                        <p:par>
+                          <p:cTn id="20" fill="hold">
+                            <p:stCondLst>
+                              <p:cond delay="0"/>
+                            </p:stCondLst>
+                            <p:childTnLst>
+                              <p:par>
+                                <p:cTn id="21" presetID="1" presetClass="entr" presetSubtype="0" fill="hold" nodeType="clickEffect">
+                                  <p:stCondLst>
+                                    <p:cond delay="0"/>
+                                  </p:stCondLst>
+                                  <p:childTnLst>
+                                    <p:set>
+                                      <p:cBhvr>
+                                        <p:cTn id="22" dur="1" fill="hold">
+                                          <p:stCondLst>
+                                            <p:cond delay="0"/>
+                                          </p:stCondLst>
+                                        </p:cTn>
+                                        <p:tgtEl>
+                                          <p:spTgt spid="6">
+                                            <p:txEl>
+                                              <p:pRg st="4" end="4"/>
+                                            </p:txEl>
+                                          </p:spTgt>
+                                        </p:tgtEl>
+                                        <p:attrNameLst>
+                                          <p:attrName>style.visibility</p:attrName>
+                                        </p:attrNameLst>
+                                      </p:cBhvr>
+                                      <p:to>
+                                        <p:strVal val="visible"/>
+                                      </p:to>
+                                    </p:set>
+                                  </p:childTnLst>
+                                </p:cTn>
+                              </p:par>
+                            </p:childTnLst>
+                          </p:cTn>
+                        </p:par>
+                      </p:childTnLst>
+                    </p:cTn>
+                  </p:par>
+                  <p:par>
+                    <p:cTn id="23" fill="hold">
+                      <p:stCondLst>
+                        <p:cond delay="indefinite"/>
+                      </p:stCondLst>
+                      <p:childTnLst>
+                        <p:par>
+                          <p:cTn id="24" fill="hold">
+                            <p:stCondLst>
+                              <p:cond delay="0"/>
+                            </p:stCondLst>
+                            <p:childTnLst>
+                              <p:par>
+                                <p:cTn id="25" presetID="1" presetClass="entr" presetSubtype="0" fill="hold" nodeType="clickEffect">
+                                  <p:stCondLst>
+                                    <p:cond delay="0"/>
+                                  </p:stCondLst>
+                                  <p:childTnLst>
+                                    <p:set>
+                                      <p:cBhvr>
+                                        <p:cTn id="26" dur="1" fill="hold">
+                                          <p:stCondLst>
+                                            <p:cond delay="0"/>
+                                          </p:stCondLst>
+                                        </p:cTn>
+                                        <p:tgtEl>
+                                          <p:spTgt spid="6">
+                                            <p:txEl>
+                                              <p:pRg st="5" end="5"/>
+                                            </p:txEl>
+                                          </p:spTgt>
+                                        </p:tgtEl>
+                                        <p:attrNameLst>
+                                          <p:attrName>style.visibility</p:attrName>
+                                        </p:attrNameLst>
+                                      </p:cBhvr>
+                                      <p:to>
+                                        <p:strVal val="visible"/>
+                                      </p:to>
+                                    </p:set>
+                                  </p:childTnLst>
+                                </p:cTn>
+                              </p:par>
+                            </p:childTnLst>
+                          </p:cTn>
+                        </p:par>
+                      </p:childTnLst>
+                    </p:cTn>
+                  </p:par>
+                  <p:par>
+                    <p:cTn id="27" fill="hold">
+                      <p:stCondLst>
+                        <p:cond delay="indefinite"/>
+                      </p:stCondLst>
+                      <p:childTnLst>
+                        <p:par>
+                          <p:cTn id="28" fill="hold">
+                            <p:stCondLst>
+                              <p:cond delay="0"/>
+                            </p:stCondLst>
+                            <p:childTnLst>
+                              <p:par>
+                                <p:cTn id="29" presetID="1" presetClass="entr" presetSubtype="0" fill="hold" nodeType="clickEffect">
+                                  <p:stCondLst>
+                                    <p:cond delay="0"/>
+                                  </p:stCondLst>
+                                  <p:childTnLst>
+                                    <p:set>
+                                      <p:cBhvr>
+                                        <p:cTn id="30" dur="1" fill="hold">
+                                          <p:stCondLst>
+                                            <p:cond delay="0"/>
+                                          </p:stCondLst>
+                                        </p:cTn>
+                                        <p:tgtEl>
+                                          <p:spTgt spid="6">
+                                            <p:txEl>
                                               <p:pRg st="6" end="6"/>
                                             </p:txEl>
                                           </p:spTgt>
@@ -9526,46 +9703,33 @@
                                   </p:childTnLst>
                                 </p:cTn>
                               </p:par>
+                            </p:childTnLst>
+                          </p:cTn>
+                        </p:par>
+                      </p:childTnLst>
+                    </p:cTn>
+                  </p:par>
+                  <p:par>
+                    <p:cTn id="31" fill="hold">
+                      <p:stCondLst>
+                        <p:cond delay="indefinite"/>
+                      </p:stCondLst>
+                      <p:childTnLst>
+                        <p:par>
+                          <p:cTn id="32" fill="hold">
+                            <p:stCondLst>
+                              <p:cond delay="0"/>
+                            </p:stCondLst>
+                            <p:childTnLst>
                               <p:par>
-                                <p:cTn id="19" presetID="1" presetClass="entr" presetSubtype="0" fill="hold" nodeType="withEffect">
+                                <p:cTn id="33" presetID="1" presetClass="entr" presetSubtype="0" fill="hold" nodeType="clickEffect">
                                   <p:stCondLst>
                                     <p:cond delay="0"/>
                                   </p:stCondLst>
                                   <p:childTnLst>
                                     <p:set>
                                       <p:cBhvr>
-                                        <p:cTn id="20" dur="1" fill="hold">
-                                          <p:stCondLst>
-                                            <p:cond delay="0"/>
-                                          </p:stCondLst>
-                                        </p:cTn>
-                                        <p:tgtEl>
-                                          <p:spTgt spid="6">
-                                            <p:txEl>
-                                              <p:pRg st="7" end="7"/>
-                                            </p:txEl>
-                                          </p:spTgt>
-                                        </p:tgtEl>
-                                        <p:attrNameLst>
-                                          <p:attrName>style.visibility</p:attrName>
-                                        </p:attrNameLst>
-                                      </p:cBhvr>
-                                      <p:to>
-                                        <p:strVal val="visible"/>
-                                      </p:to>
-                                    </p:set>
-                                  </p:childTnLst>
-                                </p:cTn>
-                              </p:par>
-                              <p:par>
-                                <p:cTn id="21" presetID="1" presetClass="entr" presetSubtype="0" fill="hold" nodeType="withEffect">
-                                  <p:stCondLst>
-                                    <p:cond delay="0"/>
-                                  </p:stCondLst>
-                                  <p:childTnLst>
-                                    <p:set>
-                                      <p:cBhvr>
-                                        <p:cTn id="22" dur="1" fill="hold">
+                                        <p:cTn id="34" dur="1" fill="hold">
                                           <p:stCondLst>
                                             <p:cond delay="0"/>
                                           </p:stCondLst>
@@ -9588,15 +9752,33 @@
                                   </p:childTnLst>
                                 </p:cTn>
                               </p:par>
+                            </p:childTnLst>
+                          </p:cTn>
+                        </p:par>
+                      </p:childTnLst>
+                    </p:cTn>
+                  </p:par>
+                  <p:par>
+                    <p:cTn id="35" fill="hold">
+                      <p:stCondLst>
+                        <p:cond delay="indefinite"/>
+                      </p:stCondLst>
+                      <p:childTnLst>
+                        <p:par>
+                          <p:cTn id="36" fill="hold">
+                            <p:stCondLst>
+                              <p:cond delay="0"/>
+                            </p:stCondLst>
+                            <p:childTnLst>
                               <p:par>
-                                <p:cTn id="23" presetID="1" presetClass="entr" presetSubtype="0" fill="hold" nodeType="withEffect">
+                                <p:cTn id="37" presetID="1" presetClass="entr" presetSubtype="0" fill="hold" nodeType="clickEffect">
                                   <p:stCondLst>
                                     <p:cond delay="0"/>
                                   </p:stCondLst>
                                   <p:childTnLst>
                                     <p:set>
                                       <p:cBhvr>
-                                        <p:cTn id="24" dur="1" fill="hold">
+                                        <p:cTn id="38" dur="1" fill="hold">
                                           <p:stCondLst>
                                             <p:cond delay="0"/>
                                           </p:stCondLst>
@@ -9626,26 +9808,75 @@
                     </p:cTn>
                   </p:par>
                   <p:par>
-                    <p:cTn id="25" fill="hold">
+                    <p:cTn id="39" fill="hold">
                       <p:stCondLst>
                         <p:cond delay="indefinite"/>
                       </p:stCondLst>
                       <p:childTnLst>
                         <p:par>
-                          <p:cTn id="26" fill="hold">
+                          <p:cTn id="40" fill="hold">
                             <p:stCondLst>
                               <p:cond delay="0"/>
                             </p:stCondLst>
                             <p:childTnLst>
                               <p:par>
-                                <p:cTn id="27" presetID="1" presetClass="entr" presetSubtype="0" fill="hold" nodeType="clickEffect">
+                                <p:cTn id="41" presetID="1" presetClass="entr" presetSubtype="0" fill="hold" nodeType="clickEffect">
                                   <p:stCondLst>
                                     <p:cond delay="0"/>
                                   </p:stCondLst>
                                   <p:childTnLst>
                                     <p:set>
                                       <p:cBhvr>
-                                        <p:cTn id="28" dur="1" fill="hold">
+                                        <p:cTn id="42" dur="1" fill="hold">
+                                          <p:stCondLst>
+                                            <p:cond delay="0"/>
+                                          </p:stCondLst>
+                                        </p:cTn>
+                                        <p:tgtEl>
+                                          <p:spTgt spid="6">
+                                            <p:txEl>
+                                              <p:pRg st="10" end="10"/>
+                                            </p:txEl>
+                                          </p:spTgt>
+                                        </p:tgtEl>
+                                        <p:attrNameLst>
+                                          <p:attrName>style.visibility</p:attrName>
+                                        </p:attrNameLst>
+                                      </p:cBhvr>
+                                      <p:to>
+                                        <p:strVal val="visible"/>
+                                      </p:to>
+                                    </p:set>
+                                  </p:childTnLst>
+                                </p:cTn>
+                              </p:par>
+                            </p:childTnLst>
+                          </p:cTn>
+                        </p:par>
+                      </p:childTnLst>
+                    </p:cTn>
+                  </p:par>
+                  <p:par>
+                    <p:cTn id="43" fill="hold">
+                      <p:stCondLst>
+                        <p:cond delay="indefinite"/>
+                      </p:stCondLst>
+                      <p:childTnLst>
+                        <p:par>
+                          <p:cTn id="44" fill="hold">
+                            <p:stCondLst>
+                              <p:cond delay="0"/>
+                            </p:stCondLst>
+                            <p:childTnLst>
+                              <p:par>
+                                <p:cTn id="45" presetID="1" presetClass="entr" presetSubtype="0" fill="hold" nodeType="clickEffect">
+                                  <p:stCondLst>
+                                    <p:cond delay="0"/>
+                                  </p:stCondLst>
+                                  <p:childTnLst>
+                                    <p:set>
+                                      <p:cBhvr>
+                                        <p:cTn id="46" dur="1" fill="hold">
                                           <p:stCondLst>
                                             <p:cond delay="0"/>
                                           </p:stCondLst>
@@ -9675,26 +9906,75 @@
                     </p:cTn>
                   </p:par>
                   <p:par>
-                    <p:cTn id="29" fill="hold">
+                    <p:cTn id="47" fill="hold">
                       <p:stCondLst>
                         <p:cond delay="indefinite"/>
                       </p:stCondLst>
                       <p:childTnLst>
                         <p:par>
-                          <p:cTn id="30" fill="hold">
+                          <p:cTn id="48" fill="hold">
                             <p:stCondLst>
                               <p:cond delay="0"/>
                             </p:stCondLst>
                             <p:childTnLst>
                               <p:par>
-                                <p:cTn id="31" presetID="1" presetClass="entr" presetSubtype="0" fill="hold" nodeType="clickEffect">
+                                <p:cTn id="49" presetID="1" presetClass="entr" presetSubtype="0" fill="hold" nodeType="clickEffect">
                                   <p:stCondLst>
                                     <p:cond delay="0"/>
                                   </p:stCondLst>
                                   <p:childTnLst>
                                     <p:set>
                                       <p:cBhvr>
-                                        <p:cTn id="32" dur="1" fill="hold">
+                                        <p:cTn id="50" dur="1" fill="hold">
+                                          <p:stCondLst>
+                                            <p:cond delay="0"/>
+                                          </p:stCondLst>
+                                        </p:cTn>
+                                        <p:tgtEl>
+                                          <p:spTgt spid="6">
+                                            <p:txEl>
+                                              <p:pRg st="12" end="12"/>
+                                            </p:txEl>
+                                          </p:spTgt>
+                                        </p:tgtEl>
+                                        <p:attrNameLst>
+                                          <p:attrName>style.visibility</p:attrName>
+                                        </p:attrNameLst>
+                                      </p:cBhvr>
+                                      <p:to>
+                                        <p:strVal val="visible"/>
+                                      </p:to>
+                                    </p:set>
+                                  </p:childTnLst>
+                                </p:cTn>
+                              </p:par>
+                            </p:childTnLst>
+                          </p:cTn>
+                        </p:par>
+                      </p:childTnLst>
+                    </p:cTn>
+                  </p:par>
+                  <p:par>
+                    <p:cTn id="51" fill="hold">
+                      <p:stCondLst>
+                        <p:cond delay="indefinite"/>
+                      </p:stCondLst>
+                      <p:childTnLst>
+                        <p:par>
+                          <p:cTn id="52" fill="hold">
+                            <p:stCondLst>
+                              <p:cond delay="0"/>
+                            </p:stCondLst>
+                            <p:childTnLst>
+                              <p:par>
+                                <p:cTn id="53" presetID="1" presetClass="entr" presetSubtype="0" fill="hold" nodeType="clickEffect">
+                                  <p:stCondLst>
+                                    <p:cond delay="0"/>
+                                  </p:stCondLst>
+                                  <p:childTnLst>
+                                    <p:set>
+                                      <p:cBhvr>
+                                        <p:cTn id="54" dur="1" fill="hold">
                                           <p:stCondLst>
                                             <p:cond delay="0"/>
                                           </p:stCondLst>
@@ -9703,6 +9983,104 @@
                                           <p:spTgt spid="6">
                                             <p:txEl>
                                               <p:pRg st="13" end="13"/>
+                                            </p:txEl>
+                                          </p:spTgt>
+                                        </p:tgtEl>
+                                        <p:attrNameLst>
+                                          <p:attrName>style.visibility</p:attrName>
+                                        </p:attrNameLst>
+                                      </p:cBhvr>
+                                      <p:to>
+                                        <p:strVal val="visible"/>
+                                      </p:to>
+                                    </p:set>
+                                  </p:childTnLst>
+                                </p:cTn>
+                              </p:par>
+                            </p:childTnLst>
+                          </p:cTn>
+                        </p:par>
+                      </p:childTnLst>
+                    </p:cTn>
+                  </p:par>
+                  <p:par>
+                    <p:cTn id="55" fill="hold">
+                      <p:stCondLst>
+                        <p:cond delay="indefinite"/>
+                      </p:stCondLst>
+                      <p:childTnLst>
+                        <p:par>
+                          <p:cTn id="56" fill="hold">
+                            <p:stCondLst>
+                              <p:cond delay="0"/>
+                            </p:stCondLst>
+                            <p:childTnLst>
+                              <p:par>
+                                <p:cTn id="57" presetID="1" presetClass="entr" presetSubtype="0" fill="hold" nodeType="clickEffect">
+                                  <p:stCondLst>
+                                    <p:cond delay="0"/>
+                                  </p:stCondLst>
+                                  <p:childTnLst>
+                                    <p:set>
+                                      <p:cBhvr>
+                                        <p:cTn id="58" dur="1" fill="hold">
+                                          <p:stCondLst>
+                                            <p:cond delay="0"/>
+                                          </p:stCondLst>
+                                        </p:cTn>
+                                        <p:tgtEl>
+                                          <p:spTgt spid="6">
+                                            <p:txEl>
+                                              <p:pRg st="15" end="15"/>
+                                            </p:txEl>
+                                          </p:spTgt>
+                                        </p:tgtEl>
+                                        <p:attrNameLst>
+                                          <p:attrName>style.visibility</p:attrName>
+                                        </p:attrNameLst>
+                                      </p:cBhvr>
+                                      <p:to>
+                                        <p:strVal val="visible"/>
+                                      </p:to>
+                                    </p:set>
+                                  </p:childTnLst>
+                                </p:cTn>
+                              </p:par>
+                            </p:childTnLst>
+                          </p:cTn>
+                        </p:par>
+                      </p:childTnLst>
+                    </p:cTn>
+                  </p:par>
+                  <p:par>
+                    <p:cTn id="59" fill="hold">
+                      <p:stCondLst>
+                        <p:cond delay="indefinite"/>
+                      </p:stCondLst>
+                      <p:childTnLst>
+                        <p:par>
+                          <p:cTn id="60" fill="hold">
+                            <p:stCondLst>
+                              <p:cond delay="0"/>
+                            </p:stCondLst>
+                            <p:childTnLst>
+                              <p:par>
+                                <p:cTn id="61" presetID="1" presetClass="entr" presetSubtype="0" fill="hold" nodeType="clickEffect">
+                                  <p:stCondLst>
+                                    <p:cond delay="0"/>
+                                  </p:stCondLst>
+                                  <p:childTnLst>
+                                    <p:set>
+                                      <p:cBhvr>
+                                        <p:cTn id="62" dur="1" fill="hold">
+                                          <p:stCondLst>
+                                            <p:cond delay="0"/>
+                                          </p:stCondLst>
+                                        </p:cTn>
+                                        <p:tgtEl>
+                                          <p:spTgt spid="6">
+                                            <p:txEl>
+                                              <p:pRg st="17" end="17"/>
                                             </p:txEl>
                                           </p:spTgt>
                                         </p:tgtEl>
@@ -10228,7 +10606,7 @@
                 <a:ea typeface="MS Mincho" panose="02020609040205080304" pitchFamily="49" charset="-128"/>
                 <a:cs typeface="Times New Roman" panose="02020603050405020304" pitchFamily="18" charset="0"/>
               </a:rPr>
-              <a:t>Poster for Research Days</a:t>
+              <a:t>Poster for Research Showcase</a:t>
             </a:r>
           </a:p>
           <a:p>
@@ -10293,7 +10671,7 @@
                 <a:ea typeface="MS Mincho" panose="02020609040205080304" pitchFamily="49" charset="-128"/>
                 <a:cs typeface="Times New Roman" panose="02020603050405020304" pitchFamily="18" charset="0"/>
               </a:rPr>
-              <a:t>Poster at Research Days</a:t>
+              <a:t>Poster at Research Showcase</a:t>
             </a:r>
           </a:p>
           <a:p>
@@ -10410,39 +10788,26 @@
                                   </p:childTnLst>
                                 </p:cTn>
                               </p:par>
+                            </p:childTnLst>
+                          </p:cTn>
+                        </p:par>
+                      </p:childTnLst>
+                    </p:cTn>
+                  </p:par>
+                  <p:par>
+                    <p:cTn id="7" fill="hold">
+                      <p:stCondLst>
+                        <p:cond delay="indefinite"/>
+                      </p:stCondLst>
+                      <p:childTnLst>
+                        <p:par>
+                          <p:cTn id="8" fill="hold">
+                            <p:stCondLst>
+                              <p:cond delay="0"/>
+                            </p:stCondLst>
+                            <p:childTnLst>
                               <p:par>
-                                <p:cTn id="7" presetID="1" presetClass="entr" presetSubtype="0" fill="hold" nodeType="withEffect">
-                                  <p:stCondLst>
-                                    <p:cond delay="0"/>
-                                  </p:stCondLst>
-                                  <p:childTnLst>
-                                    <p:set>
-                                      <p:cBhvr>
-                                        <p:cTn id="8" dur="1" fill="hold">
-                                          <p:stCondLst>
-                                            <p:cond delay="0"/>
-                                          </p:stCondLst>
-                                        </p:cTn>
-                                        <p:tgtEl>
-                                          <p:spTgt spid="7">
-                                            <p:txEl>
-                                              <p:pRg st="1" end="1"/>
-                                            </p:txEl>
-                                          </p:spTgt>
-                                        </p:tgtEl>
-                                        <p:attrNameLst>
-                                          <p:attrName>style.visibility</p:attrName>
-                                        </p:attrNameLst>
-                                      </p:cBhvr>
-                                      <p:to>
-                                        <p:strVal val="visible"/>
-                                      </p:to>
-                                    </p:set>
-                                  </p:childTnLst>
-                                </p:cTn>
-                              </p:par>
-                              <p:par>
-                                <p:cTn id="9" presetID="1" presetClass="entr" presetSubtype="0" fill="hold" nodeType="withEffect">
+                                <p:cTn id="9" presetID="1" presetClass="entr" presetSubtype="0" fill="hold" nodeType="clickEffect">
                                   <p:stCondLst>
                                     <p:cond delay="0"/>
                                   </p:stCondLst>
@@ -10457,7 +10822,7 @@
                                         <p:tgtEl>
                                           <p:spTgt spid="7">
                                             <p:txEl>
-                                              <p:pRg st="2" end="2"/>
+                                              <p:pRg st="1" end="1"/>
                                             </p:txEl>
                                           </p:spTgt>
                                         </p:tgtEl>
@@ -10506,7 +10871,7 @@
                                         <p:tgtEl>
                                           <p:spTgt spid="7">
                                             <p:txEl>
-                                              <p:pRg st="4" end="4"/>
+                                              <p:pRg st="2" end="2"/>
                                             </p:txEl>
                                           </p:spTgt>
                                         </p:tgtEl>
@@ -10521,39 +10886,26 @@
                                   </p:childTnLst>
                                 </p:cTn>
                               </p:par>
+                            </p:childTnLst>
+                          </p:cTn>
+                        </p:par>
+                      </p:childTnLst>
+                    </p:cTn>
+                  </p:par>
+                  <p:par>
+                    <p:cTn id="15" fill="hold">
+                      <p:stCondLst>
+                        <p:cond delay="indefinite"/>
+                      </p:stCondLst>
+                      <p:childTnLst>
+                        <p:par>
+                          <p:cTn id="16" fill="hold">
+                            <p:stCondLst>
+                              <p:cond delay="0"/>
+                            </p:stCondLst>
+                            <p:childTnLst>
                               <p:par>
-                                <p:cTn id="15" presetID="1" presetClass="entr" presetSubtype="0" fill="hold" nodeType="withEffect">
-                                  <p:stCondLst>
-                                    <p:cond delay="0"/>
-                                  </p:stCondLst>
-                                  <p:childTnLst>
-                                    <p:set>
-                                      <p:cBhvr>
-                                        <p:cTn id="16" dur="1" fill="hold">
-                                          <p:stCondLst>
-                                            <p:cond delay="0"/>
-                                          </p:stCondLst>
-                                        </p:cTn>
-                                        <p:tgtEl>
-                                          <p:spTgt spid="7">
-                                            <p:txEl>
-                                              <p:pRg st="5" end="5"/>
-                                            </p:txEl>
-                                          </p:spTgt>
-                                        </p:tgtEl>
-                                        <p:attrNameLst>
-                                          <p:attrName>style.visibility</p:attrName>
-                                        </p:attrNameLst>
-                                      </p:cBhvr>
-                                      <p:to>
-                                        <p:strVal val="visible"/>
-                                      </p:to>
-                                    </p:set>
-                                  </p:childTnLst>
-                                </p:cTn>
-                              </p:par>
-                              <p:par>
-                                <p:cTn id="17" presetID="1" presetClass="entr" presetSubtype="0" fill="hold" nodeType="withEffect">
+                                <p:cTn id="17" presetID="1" presetClass="entr" presetSubtype="0" fill="hold" nodeType="clickEffect">
                                   <p:stCondLst>
                                     <p:cond delay="0"/>
                                   </p:stCondLst>
@@ -10568,7 +10920,7 @@
                                         <p:tgtEl>
                                           <p:spTgt spid="7">
                                             <p:txEl>
-                                              <p:pRg st="6" end="6"/>
+                                              <p:pRg st="4" end="4"/>
                                             </p:txEl>
                                           </p:spTgt>
                                         </p:tgtEl>
@@ -10610,6 +10962,104 @@
                                     <p:set>
                                       <p:cBhvr>
                                         <p:cTn id="22" dur="1" fill="hold">
+                                          <p:stCondLst>
+                                            <p:cond delay="0"/>
+                                          </p:stCondLst>
+                                        </p:cTn>
+                                        <p:tgtEl>
+                                          <p:spTgt spid="7">
+                                            <p:txEl>
+                                              <p:pRg st="5" end="5"/>
+                                            </p:txEl>
+                                          </p:spTgt>
+                                        </p:tgtEl>
+                                        <p:attrNameLst>
+                                          <p:attrName>style.visibility</p:attrName>
+                                        </p:attrNameLst>
+                                      </p:cBhvr>
+                                      <p:to>
+                                        <p:strVal val="visible"/>
+                                      </p:to>
+                                    </p:set>
+                                  </p:childTnLst>
+                                </p:cTn>
+                              </p:par>
+                            </p:childTnLst>
+                          </p:cTn>
+                        </p:par>
+                      </p:childTnLst>
+                    </p:cTn>
+                  </p:par>
+                  <p:par>
+                    <p:cTn id="23" fill="hold">
+                      <p:stCondLst>
+                        <p:cond delay="indefinite"/>
+                      </p:stCondLst>
+                      <p:childTnLst>
+                        <p:par>
+                          <p:cTn id="24" fill="hold">
+                            <p:stCondLst>
+                              <p:cond delay="0"/>
+                            </p:stCondLst>
+                            <p:childTnLst>
+                              <p:par>
+                                <p:cTn id="25" presetID="1" presetClass="entr" presetSubtype="0" fill="hold" nodeType="clickEffect">
+                                  <p:stCondLst>
+                                    <p:cond delay="0"/>
+                                  </p:stCondLst>
+                                  <p:childTnLst>
+                                    <p:set>
+                                      <p:cBhvr>
+                                        <p:cTn id="26" dur="1" fill="hold">
+                                          <p:stCondLst>
+                                            <p:cond delay="0"/>
+                                          </p:stCondLst>
+                                        </p:cTn>
+                                        <p:tgtEl>
+                                          <p:spTgt spid="7">
+                                            <p:txEl>
+                                              <p:pRg st="6" end="6"/>
+                                            </p:txEl>
+                                          </p:spTgt>
+                                        </p:tgtEl>
+                                        <p:attrNameLst>
+                                          <p:attrName>style.visibility</p:attrName>
+                                        </p:attrNameLst>
+                                      </p:cBhvr>
+                                      <p:to>
+                                        <p:strVal val="visible"/>
+                                      </p:to>
+                                    </p:set>
+                                  </p:childTnLst>
+                                </p:cTn>
+                              </p:par>
+                            </p:childTnLst>
+                          </p:cTn>
+                        </p:par>
+                      </p:childTnLst>
+                    </p:cTn>
+                  </p:par>
+                  <p:par>
+                    <p:cTn id="27" fill="hold">
+                      <p:stCondLst>
+                        <p:cond delay="indefinite"/>
+                      </p:stCondLst>
+                      <p:childTnLst>
+                        <p:par>
+                          <p:cTn id="28" fill="hold">
+                            <p:stCondLst>
+                              <p:cond delay="0"/>
+                            </p:stCondLst>
+                            <p:childTnLst>
+                              <p:par>
+                                <p:cTn id="29" presetID="1" presetClass="entr" presetSubtype="0" fill="hold" nodeType="clickEffect">
+                                  <p:stCondLst>
+                                    <p:cond delay="0"/>
+                                  </p:stCondLst>
+                                  <p:childTnLst>
+                                    <p:set>
+                                      <p:cBhvr>
+                                        <p:cTn id="30" dur="1" fill="hold">
                                           <p:stCondLst>
                                             <p:cond delay="0"/>
                                           </p:stCondLst>
